--- a/data/2019-20/cs/tf-cs-04-seg1.pptx
+++ b/data/2019-20/cs/tf-cs-04-seg1.pptx
@@ -4167,12 +4167,13 @@
           <a:p>
             <a:r>
               <a:rPr lang="cs-CZ" dirty="0" smtClean="0"/>
-              <a:t>Nahrád do SISu zdroják obsahující funkce pro úkoly 4</a:t>
-            </a:r>
-            <a:r>
-              <a:rPr lang="en-US" dirty="0" smtClean="0"/>
-              <a:t>+5</a:t>
-            </a:r>
+              <a:t>Nahrád do SISu zdroják obsahující funkce pro úkoly </a:t>
+            </a:r>
+            <a:r>
+              <a:rPr lang="en-US" smtClean="0"/>
+              <a:t>2, 4, 5</a:t>
+            </a:r>
+            <a:endParaRPr lang="en-US" dirty="0" smtClean="0"/>
           </a:p>
           <a:p>
             <a:r>
@@ -6706,23 +6707,6 @@
                 </a:rPr>
                 <a:t>C</a:t>
               </a:r>
-              <a:endParaRPr lang="cs-CZ" sz="4800" dirty="0">
-                <a:ln w="0">
-                  <a:solidFill>
-                    <a:schemeClr val="tx1"/>
-                  </a:solidFill>
-                </a:ln>
-                <a:solidFill>
-                  <a:schemeClr val="tx1"/>
-                </a:solidFill>
-                <a:effectLst>
-                  <a:outerShdw blurRad="38100" dist="19050" dir="2700000" algn="tl" rotWithShape="0">
-                    <a:schemeClr val="dk1">
-                      <a:alpha val="40000"/>
-                    </a:schemeClr>
-                  </a:outerShdw>
-                </a:effectLst>
-              </a:endParaRPr>
             </a:p>
           </p:txBody>
         </p:sp>
@@ -6788,23 +6772,6 @@
                 </a:rPr>
                 <a:t>B</a:t>
               </a:r>
-              <a:endParaRPr lang="cs-CZ" sz="4800" dirty="0">
-                <a:ln w="0">
-                  <a:solidFill>
-                    <a:schemeClr val="tx1"/>
-                  </a:solidFill>
-                </a:ln>
-                <a:solidFill>
-                  <a:schemeClr val="tx1"/>
-                </a:solidFill>
-                <a:effectLst>
-                  <a:outerShdw blurRad="38100" dist="19050" dir="2700000" algn="tl" rotWithShape="0">
-                    <a:schemeClr val="dk1">
-                      <a:alpha val="40000"/>
-                    </a:schemeClr>
-                  </a:outerShdw>
-                </a:effectLst>
-              </a:endParaRPr>
             </a:p>
           </p:txBody>
         </p:sp>
@@ -9089,7 +9056,23 @@
           <a:p>
             <a:r>
               <a:rPr lang="cs-CZ" dirty="0" smtClean="0"/>
-              <a:t>Vytvoř funkci, která rozsvítí/zhasne všechny segmeny daného znaku na dané pozici</a:t>
+              <a:t>Vytvoř funkci, která rozsvítí/zhasne všechny </a:t>
+            </a:r>
+            <a:r>
+              <a:rPr lang="cs-CZ" dirty="0" smtClean="0"/>
+              <a:t>segmen</a:t>
+            </a:r>
+            <a:r>
+              <a:rPr lang="en-US" dirty="0" smtClean="0"/>
+              <a:t>t</a:t>
+            </a:r>
+            <a:r>
+              <a:rPr lang="cs-CZ" dirty="0" smtClean="0"/>
+              <a:t>y </a:t>
+            </a:r>
+            <a:r>
+              <a:rPr lang="cs-CZ" dirty="0" smtClean="0"/>
+              <a:t>daného znaku na dané pozici</a:t>
             </a:r>
           </a:p>
           <a:p>
